--- a/CalendarioAgo2022/presentaciones/8_For.pptx
+++ b/CalendarioAgo2022/presentaciones/8_For.pptx
@@ -196,7 +196,7 @@
             </a:lvl1pPr>
           </a:lstStyle>
           <a:p>
-            <a:endParaRPr lang="es-MX"/>
+            <a:endParaRPr lang="es-MX" dirty="0"/>
           </a:p>
         </p:txBody>
       </p:sp>
@@ -229,9 +229,9 @@
           <a:p>
             <a:fld id="{6850521A-C27A-4838-9C91-787748A77EFD}" type="datetimeFigureOut">
               <a:rPr lang="es-MX" smtClean="0"/>
-              <a:t>30/08/2021</a:t>
+              <a:t>30/08/2022</a:t>
             </a:fld>
-            <a:endParaRPr lang="es-MX"/>
+            <a:endParaRPr lang="es-MX" dirty="0"/>
           </a:p>
         </p:txBody>
       </p:sp>
@@ -264,7 +264,7 @@
           <a:bodyPr vert="horz" lIns="91440" tIns="45720" rIns="91440" bIns="45720" rtlCol="0" anchor="ctr"/>
           <a:lstStyle/>
           <a:p>
-            <a:endParaRPr lang="es-MX"/>
+            <a:endParaRPr lang="es-MX" dirty="0"/>
           </a:p>
         </p:txBody>
       </p:sp>
@@ -355,7 +355,7 @@
             </a:lvl1pPr>
           </a:lstStyle>
           <a:p>
-            <a:endParaRPr lang="es-MX"/>
+            <a:endParaRPr lang="es-MX" dirty="0"/>
           </a:p>
         </p:txBody>
       </p:sp>
@@ -390,7 +390,7 @@
               <a:rPr lang="es-MX" smtClean="0"/>
               <a:t>‹Nº›</a:t>
             </a:fld>
-            <a:endParaRPr lang="es-MX"/>
+            <a:endParaRPr lang="es-MX" dirty="0"/>
           </a:p>
         </p:txBody>
       </p:sp>
@@ -564,7 +564,7 @@
               <a:rPr lang="es-MX" smtClean="0"/>
               <a:t>3</a:t>
             </a:fld>
-            <a:endParaRPr lang="es-MX"/>
+            <a:endParaRPr lang="es-MX" dirty="0"/>
           </a:p>
         </p:txBody>
       </p:sp>
@@ -648,7 +648,7 @@
               <a:rPr lang="es-MX" smtClean="0"/>
               <a:t>15</a:t>
             </a:fld>
-            <a:endParaRPr lang="es-MX"/>
+            <a:endParaRPr lang="es-MX" dirty="0"/>
           </a:p>
         </p:txBody>
       </p:sp>
@@ -732,7 +732,7 @@
               <a:rPr lang="es-MX" smtClean="0"/>
               <a:t>16</a:t>
             </a:fld>
-            <a:endParaRPr lang="es-MX"/>
+            <a:endParaRPr lang="es-MX" dirty="0"/>
           </a:p>
         </p:txBody>
       </p:sp>
@@ -900,7 +900,7 @@
               <a:rPr lang="es-MX" smtClean="0"/>
               <a:t>18</a:t>
             </a:fld>
-            <a:endParaRPr lang="es-MX"/>
+            <a:endParaRPr lang="es-MX" dirty="0"/>
           </a:p>
         </p:txBody>
       </p:sp>
@@ -1068,7 +1068,7 @@
               <a:rPr lang="es-MX" smtClean="0"/>
               <a:t>20</a:t>
             </a:fld>
-            <a:endParaRPr lang="es-MX"/>
+            <a:endParaRPr lang="es-MX" dirty="0"/>
           </a:p>
         </p:txBody>
       </p:sp>
@@ -1152,7 +1152,7 @@
               <a:rPr lang="es-MX" smtClean="0"/>
               <a:t>21</a:t>
             </a:fld>
-            <a:endParaRPr lang="es-MX"/>
+            <a:endParaRPr lang="es-MX" dirty="0"/>
           </a:p>
         </p:txBody>
       </p:sp>
@@ -1236,7 +1236,7 @@
               <a:rPr lang="es-MX" smtClean="0"/>
               <a:t>4</a:t>
             </a:fld>
-            <a:endParaRPr lang="es-MX"/>
+            <a:endParaRPr lang="es-MX" dirty="0"/>
           </a:p>
         </p:txBody>
       </p:sp>
@@ -1320,7 +1320,7 @@
               <a:rPr lang="es-MX" smtClean="0"/>
               <a:t>6</a:t>
             </a:fld>
-            <a:endParaRPr lang="es-MX"/>
+            <a:endParaRPr lang="es-MX" dirty="0"/>
           </a:p>
         </p:txBody>
       </p:sp>
@@ -1404,7 +1404,7 @@
               <a:rPr lang="es-MX" smtClean="0"/>
               <a:t>7</a:t>
             </a:fld>
-            <a:endParaRPr lang="es-MX"/>
+            <a:endParaRPr lang="es-MX" dirty="0"/>
           </a:p>
         </p:txBody>
       </p:sp>
@@ -1488,7 +1488,7 @@
               <a:rPr lang="es-MX" smtClean="0"/>
               <a:t>9</a:t>
             </a:fld>
-            <a:endParaRPr lang="es-MX"/>
+            <a:endParaRPr lang="es-MX" dirty="0"/>
           </a:p>
         </p:txBody>
       </p:sp>
@@ -1656,7 +1656,7 @@
               <a:rPr lang="es-MX" smtClean="0"/>
               <a:t>12</a:t>
             </a:fld>
-            <a:endParaRPr lang="es-MX"/>
+            <a:endParaRPr lang="es-MX" dirty="0"/>
           </a:p>
         </p:txBody>
       </p:sp>
@@ -1740,7 +1740,7 @@
               <a:rPr lang="es-MX" smtClean="0"/>
               <a:t>13</a:t>
             </a:fld>
-            <a:endParaRPr lang="es-MX"/>
+            <a:endParaRPr lang="es-MX" dirty="0"/>
           </a:p>
         </p:txBody>
       </p:sp>
@@ -2022,9 +2022,9 @@
           <a:p>
             <a:fld id="{25BC5239-EFEC-4EF5-AB4E-B8ED16D8832D}" type="datetimeFigureOut">
               <a:rPr lang="es-MX" smtClean="0"/>
-              <a:t>30/08/2021</a:t>
+              <a:t>30/08/2022</a:t>
             </a:fld>
-            <a:endParaRPr lang="es-MX"/>
+            <a:endParaRPr lang="es-MX" dirty="0"/>
           </a:p>
         </p:txBody>
       </p:sp>
@@ -2043,7 +2043,7 @@
           <a:bodyPr/>
           <a:lstStyle/>
           <a:p>
-            <a:endParaRPr lang="es-MX"/>
+            <a:endParaRPr lang="es-MX" dirty="0"/>
           </a:p>
         </p:txBody>
       </p:sp>
@@ -2066,7 +2066,7 @@
               <a:rPr lang="es-MX" smtClean="0"/>
               <a:t>‹Nº›</a:t>
             </a:fld>
-            <a:endParaRPr lang="es-MX"/>
+            <a:endParaRPr lang="es-MX" dirty="0"/>
           </a:p>
         </p:txBody>
       </p:sp>
@@ -2192,9 +2192,9 @@
           <a:p>
             <a:fld id="{25BC5239-EFEC-4EF5-AB4E-B8ED16D8832D}" type="datetimeFigureOut">
               <a:rPr lang="es-MX" smtClean="0"/>
-              <a:t>30/08/2021</a:t>
+              <a:t>30/08/2022</a:t>
             </a:fld>
-            <a:endParaRPr lang="es-MX"/>
+            <a:endParaRPr lang="es-MX" dirty="0"/>
           </a:p>
         </p:txBody>
       </p:sp>
@@ -2213,7 +2213,7 @@
           <a:bodyPr/>
           <a:lstStyle/>
           <a:p>
-            <a:endParaRPr lang="es-MX"/>
+            <a:endParaRPr lang="es-MX" dirty="0"/>
           </a:p>
         </p:txBody>
       </p:sp>
@@ -2236,7 +2236,7 @@
               <a:rPr lang="es-MX" smtClean="0"/>
               <a:t>‹Nº›</a:t>
             </a:fld>
-            <a:endParaRPr lang="es-MX"/>
+            <a:endParaRPr lang="es-MX" dirty="0"/>
           </a:p>
         </p:txBody>
       </p:sp>
@@ -2372,9 +2372,9 @@
           <a:p>
             <a:fld id="{25BC5239-EFEC-4EF5-AB4E-B8ED16D8832D}" type="datetimeFigureOut">
               <a:rPr lang="es-MX" smtClean="0"/>
-              <a:t>30/08/2021</a:t>
+              <a:t>30/08/2022</a:t>
             </a:fld>
-            <a:endParaRPr lang="es-MX"/>
+            <a:endParaRPr lang="es-MX" dirty="0"/>
           </a:p>
         </p:txBody>
       </p:sp>
@@ -2393,7 +2393,7 @@
           <a:bodyPr/>
           <a:lstStyle/>
           <a:p>
-            <a:endParaRPr lang="es-MX"/>
+            <a:endParaRPr lang="es-MX" dirty="0"/>
           </a:p>
         </p:txBody>
       </p:sp>
@@ -2416,7 +2416,7 @@
               <a:rPr lang="es-MX" smtClean="0"/>
               <a:t>‹Nº›</a:t>
             </a:fld>
-            <a:endParaRPr lang="es-MX"/>
+            <a:endParaRPr lang="es-MX" dirty="0"/>
           </a:p>
         </p:txBody>
       </p:sp>
@@ -2722,7 +2722,7 @@
             </a:lvl1pPr>
           </a:lstStyle>
           <a:p>
-            <a:endParaRPr/>
+            <a:endParaRPr dirty="0"/>
           </a:p>
         </p:txBody>
       </p:sp>
@@ -2753,9 +2753,9 @@
           <a:p>
             <a:fld id="{1D8BD707-D9CF-40AE-B4C6-C98DA3205C09}" type="datetimeFigureOut">
               <a:rPr lang="en-US" smtClean="0"/>
-              <a:t>8/30/2021</a:t>
+              <a:t>8/30/2022</a:t>
             </a:fld>
-            <a:endParaRPr lang="en-US"/>
+            <a:endParaRPr lang="en-US" dirty="0"/>
           </a:p>
         </p:txBody>
       </p:sp>
@@ -2785,7 +2785,7 @@
               <a:pPr marL="25400"/>
               <a:t>‹Nº›</a:t>
             </a:fld>
-            <a:endParaRPr lang="es-MX">
+            <a:endParaRPr lang="es-MX" dirty="0">
               <a:cs typeface="Calibri"/>
             </a:endParaRPr>
           </a:p>
@@ -2913,9 +2913,9 @@
           <a:p>
             <a:fld id="{25BC5239-EFEC-4EF5-AB4E-B8ED16D8832D}" type="datetimeFigureOut">
               <a:rPr lang="es-MX" smtClean="0"/>
-              <a:t>30/08/2021</a:t>
+              <a:t>30/08/2022</a:t>
             </a:fld>
-            <a:endParaRPr lang="es-MX"/>
+            <a:endParaRPr lang="es-MX" dirty="0"/>
           </a:p>
         </p:txBody>
       </p:sp>
@@ -2934,7 +2934,7 @@
           <a:bodyPr/>
           <a:lstStyle/>
           <a:p>
-            <a:endParaRPr lang="es-MX"/>
+            <a:endParaRPr lang="es-MX" dirty="0"/>
           </a:p>
         </p:txBody>
       </p:sp>
@@ -2957,7 +2957,7 @@
               <a:rPr lang="es-MX" smtClean="0"/>
               <a:t>‹Nº›</a:t>
             </a:fld>
-            <a:endParaRPr lang="es-MX"/>
+            <a:endParaRPr lang="es-MX" dirty="0"/>
           </a:p>
         </p:txBody>
       </p:sp>
@@ -3159,9 +3159,9 @@
           <a:p>
             <a:fld id="{25BC5239-EFEC-4EF5-AB4E-B8ED16D8832D}" type="datetimeFigureOut">
               <a:rPr lang="es-MX" smtClean="0"/>
-              <a:t>30/08/2021</a:t>
+              <a:t>30/08/2022</a:t>
             </a:fld>
-            <a:endParaRPr lang="es-MX"/>
+            <a:endParaRPr lang="es-MX" dirty="0"/>
           </a:p>
         </p:txBody>
       </p:sp>
@@ -3180,7 +3180,7 @@
           <a:bodyPr/>
           <a:lstStyle/>
           <a:p>
-            <a:endParaRPr lang="es-MX"/>
+            <a:endParaRPr lang="es-MX" dirty="0"/>
           </a:p>
         </p:txBody>
       </p:sp>
@@ -3203,7 +3203,7 @@
               <a:rPr lang="es-MX" smtClean="0"/>
               <a:t>‹Nº›</a:t>
             </a:fld>
-            <a:endParaRPr lang="es-MX"/>
+            <a:endParaRPr lang="es-MX" dirty="0"/>
           </a:p>
         </p:txBody>
       </p:sp>
@@ -3447,9 +3447,9 @@
           <a:p>
             <a:fld id="{25BC5239-EFEC-4EF5-AB4E-B8ED16D8832D}" type="datetimeFigureOut">
               <a:rPr lang="es-MX" smtClean="0"/>
-              <a:t>30/08/2021</a:t>
+              <a:t>30/08/2022</a:t>
             </a:fld>
-            <a:endParaRPr lang="es-MX"/>
+            <a:endParaRPr lang="es-MX" dirty="0"/>
           </a:p>
         </p:txBody>
       </p:sp>
@@ -3468,7 +3468,7 @@
           <a:bodyPr/>
           <a:lstStyle/>
           <a:p>
-            <a:endParaRPr lang="es-MX"/>
+            <a:endParaRPr lang="es-MX" dirty="0"/>
           </a:p>
         </p:txBody>
       </p:sp>
@@ -3491,7 +3491,7 @@
               <a:rPr lang="es-MX" smtClean="0"/>
               <a:t>‹Nº›</a:t>
             </a:fld>
-            <a:endParaRPr lang="es-MX"/>
+            <a:endParaRPr lang="es-MX" dirty="0"/>
           </a:p>
         </p:txBody>
       </p:sp>
@@ -3869,9 +3869,9 @@
           <a:p>
             <a:fld id="{25BC5239-EFEC-4EF5-AB4E-B8ED16D8832D}" type="datetimeFigureOut">
               <a:rPr lang="es-MX" smtClean="0"/>
-              <a:t>30/08/2021</a:t>
+              <a:t>30/08/2022</a:t>
             </a:fld>
-            <a:endParaRPr lang="es-MX"/>
+            <a:endParaRPr lang="es-MX" dirty="0"/>
           </a:p>
         </p:txBody>
       </p:sp>
@@ -3890,7 +3890,7 @@
           <a:bodyPr/>
           <a:lstStyle/>
           <a:p>
-            <a:endParaRPr lang="es-MX"/>
+            <a:endParaRPr lang="es-MX" dirty="0"/>
           </a:p>
         </p:txBody>
       </p:sp>
@@ -3913,7 +3913,7 @@
               <a:rPr lang="es-MX" smtClean="0"/>
               <a:t>‹Nº›</a:t>
             </a:fld>
-            <a:endParaRPr lang="es-MX"/>
+            <a:endParaRPr lang="es-MX" dirty="0"/>
           </a:p>
         </p:txBody>
       </p:sp>
@@ -3987,9 +3987,9 @@
           <a:p>
             <a:fld id="{25BC5239-EFEC-4EF5-AB4E-B8ED16D8832D}" type="datetimeFigureOut">
               <a:rPr lang="es-MX" smtClean="0"/>
-              <a:t>30/08/2021</a:t>
+              <a:t>30/08/2022</a:t>
             </a:fld>
-            <a:endParaRPr lang="es-MX"/>
+            <a:endParaRPr lang="es-MX" dirty="0"/>
           </a:p>
         </p:txBody>
       </p:sp>
@@ -4008,7 +4008,7 @@
           <a:bodyPr/>
           <a:lstStyle/>
           <a:p>
-            <a:endParaRPr lang="es-MX"/>
+            <a:endParaRPr lang="es-MX" dirty="0"/>
           </a:p>
         </p:txBody>
       </p:sp>
@@ -4031,7 +4031,7 @@
               <a:rPr lang="es-MX" smtClean="0"/>
               <a:t>‹Nº›</a:t>
             </a:fld>
-            <a:endParaRPr lang="es-MX"/>
+            <a:endParaRPr lang="es-MX" dirty="0"/>
           </a:p>
         </p:txBody>
       </p:sp>
@@ -4082,9 +4082,9 @@
           <a:p>
             <a:fld id="{25BC5239-EFEC-4EF5-AB4E-B8ED16D8832D}" type="datetimeFigureOut">
               <a:rPr lang="es-MX" smtClean="0"/>
-              <a:t>30/08/2021</a:t>
+              <a:t>30/08/2022</a:t>
             </a:fld>
-            <a:endParaRPr lang="es-MX"/>
+            <a:endParaRPr lang="es-MX" dirty="0"/>
           </a:p>
         </p:txBody>
       </p:sp>
@@ -4103,7 +4103,7 @@
           <a:bodyPr/>
           <a:lstStyle/>
           <a:p>
-            <a:endParaRPr lang="es-MX"/>
+            <a:endParaRPr lang="es-MX" dirty="0"/>
           </a:p>
         </p:txBody>
       </p:sp>
@@ -4126,7 +4126,7 @@
               <a:rPr lang="es-MX" smtClean="0"/>
               <a:t>‹Nº›</a:t>
             </a:fld>
-            <a:endParaRPr lang="es-MX"/>
+            <a:endParaRPr lang="es-MX" dirty="0"/>
           </a:p>
         </p:txBody>
       </p:sp>
@@ -4359,9 +4359,9 @@
           <a:p>
             <a:fld id="{25BC5239-EFEC-4EF5-AB4E-B8ED16D8832D}" type="datetimeFigureOut">
               <a:rPr lang="es-MX" smtClean="0"/>
-              <a:t>30/08/2021</a:t>
+              <a:t>30/08/2022</a:t>
             </a:fld>
-            <a:endParaRPr lang="es-MX"/>
+            <a:endParaRPr lang="es-MX" dirty="0"/>
           </a:p>
         </p:txBody>
       </p:sp>
@@ -4380,7 +4380,7 @@
           <a:bodyPr/>
           <a:lstStyle/>
           <a:p>
-            <a:endParaRPr lang="es-MX"/>
+            <a:endParaRPr lang="es-MX" dirty="0"/>
           </a:p>
         </p:txBody>
       </p:sp>
@@ -4403,7 +4403,7 @@
               <a:rPr lang="es-MX" smtClean="0"/>
               <a:t>‹Nº›</a:t>
             </a:fld>
-            <a:endParaRPr lang="es-MX"/>
+            <a:endParaRPr lang="es-MX" dirty="0"/>
           </a:p>
         </p:txBody>
       </p:sp>
@@ -4526,7 +4526,7 @@
             </a:lvl9pPr>
           </a:lstStyle>
           <a:p>
-            <a:endParaRPr lang="es-MX"/>
+            <a:endParaRPr lang="es-MX" dirty="0"/>
           </a:p>
         </p:txBody>
       </p:sp>
@@ -4612,9 +4612,9 @@
           <a:p>
             <a:fld id="{25BC5239-EFEC-4EF5-AB4E-B8ED16D8832D}" type="datetimeFigureOut">
               <a:rPr lang="es-MX" smtClean="0"/>
-              <a:t>30/08/2021</a:t>
+              <a:t>30/08/2022</a:t>
             </a:fld>
-            <a:endParaRPr lang="es-MX"/>
+            <a:endParaRPr lang="es-MX" dirty="0"/>
           </a:p>
         </p:txBody>
       </p:sp>
@@ -4633,7 +4633,7 @@
           <a:bodyPr/>
           <a:lstStyle/>
           <a:p>
-            <a:endParaRPr lang="es-MX"/>
+            <a:endParaRPr lang="es-MX" dirty="0"/>
           </a:p>
         </p:txBody>
       </p:sp>
@@ -4656,7 +4656,7 @@
               <a:rPr lang="es-MX" smtClean="0"/>
               <a:t>‹Nº›</a:t>
             </a:fld>
-            <a:endParaRPr lang="es-MX"/>
+            <a:endParaRPr lang="es-MX" dirty="0"/>
           </a:p>
         </p:txBody>
       </p:sp>
@@ -4825,9 +4825,9 @@
           <a:p>
             <a:fld id="{25BC5239-EFEC-4EF5-AB4E-B8ED16D8832D}" type="datetimeFigureOut">
               <a:rPr lang="es-MX" smtClean="0"/>
-              <a:t>30/08/2021</a:t>
+              <a:t>30/08/2022</a:t>
             </a:fld>
-            <a:endParaRPr lang="es-MX"/>
+            <a:endParaRPr lang="es-MX" dirty="0"/>
           </a:p>
         </p:txBody>
       </p:sp>
@@ -4864,7 +4864,7 @@
             </a:lvl1pPr>
           </a:lstStyle>
           <a:p>
-            <a:endParaRPr lang="es-MX"/>
+            <a:endParaRPr lang="es-MX" dirty="0"/>
           </a:p>
         </p:txBody>
       </p:sp>
@@ -4905,7 +4905,7 @@
               <a:rPr lang="es-MX" smtClean="0"/>
               <a:t>‹Nº›</a:t>
             </a:fld>
-            <a:endParaRPr lang="es-MX"/>
+            <a:endParaRPr lang="es-MX" dirty="0"/>
           </a:p>
         </p:txBody>
       </p:sp>
@@ -5294,16 +5294,6 @@
               <a:defRPr/>
             </a:pPr>
             <a:r>
-              <a:rPr lang="es-MX" b="1" dirty="0" err="1">
-                <a:solidFill>
-                  <a:schemeClr val="accent4">
-                    <a:lumMod val="50000"/>
-                  </a:schemeClr>
-                </a:solidFill>
-              </a:rPr>
-              <a:t>For</a:t>
-            </a:r>
-            <a:r>
               <a:rPr lang="es-MX" b="1" dirty="0">
                 <a:solidFill>
                   <a:schemeClr val="accent4">
@@ -5311,27 +5301,7 @@
                   </a:schemeClr>
                 </a:solidFill>
               </a:rPr>
-              <a:t> and </a:t>
-            </a:r>
-            <a:r>
-              <a:rPr lang="es-MX" b="1" dirty="0" err="1">
-                <a:solidFill>
-                  <a:schemeClr val="accent4">
-                    <a:lumMod val="50000"/>
-                  </a:schemeClr>
-                </a:solidFill>
-              </a:rPr>
-              <a:t>while</a:t>
-            </a:r>
-            <a:r>
-              <a:rPr lang="es-MX" b="1" dirty="0">
-                <a:solidFill>
-                  <a:schemeClr val="accent4">
-                    <a:lumMod val="50000"/>
-                  </a:schemeClr>
-                </a:solidFill>
-              </a:rPr>
-              <a:t> True</a:t>
+              <a:t>For and while True</a:t>
             </a:r>
           </a:p>
           <a:p>
@@ -5459,23 +5429,7 @@
                 </a:effectLst>
                 <a:latin typeface="Dom Casual" charset="0"/>
               </a:rPr>
-              <a:t>Estructura del </a:t>
-            </a:r>
-            <a:r>
-              <a:rPr lang="es-ES_tradnl" sz="4900" b="1" dirty="0" err="1">
-                <a:solidFill>
-                  <a:schemeClr val="accent4">
-                    <a:lumMod val="50000"/>
-                  </a:schemeClr>
-                </a:solidFill>
-                <a:effectLst>
-                  <a:outerShdw blurRad="38100" dist="38100" dir="2700000" algn="tl">
-                    <a:srgbClr val="C0C0C0"/>
-                  </a:outerShdw>
-                </a:effectLst>
-                <a:latin typeface="Dom Casual" charset="0"/>
-              </a:rPr>
-              <a:t>for</a:t>
+              <a:t>Estructura del for</a:t>
             </a:r>
             <a:br>
               <a:rPr lang="es-ES_tradnl" sz="4400" b="1" dirty="0">
@@ -5493,20 +5447,6 @@
               </a:rPr>
             </a:br>
             <a:r>
-              <a:rPr lang="es-ES_tradnl" sz="4000" b="1" dirty="0" err="1">
-                <a:solidFill>
-                  <a:srgbClr val="FF0000"/>
-                </a:solidFill>
-                <a:effectLst>
-                  <a:outerShdw blurRad="38100" dist="38100" dir="2700000" algn="tl">
-                    <a:srgbClr val="C0C0C0"/>
-                  </a:outerShdw>
-                </a:effectLst>
-                <a:latin typeface="Dom Casual" charset="0"/>
-              </a:rPr>
-              <a:t>for</a:t>
-            </a:r>
-            <a:r>
               <a:rPr lang="es-ES_tradnl" sz="4000" b="1" dirty="0">
                 <a:solidFill>
                   <a:srgbClr val="FF0000"/>
@@ -5518,35 +5458,7 @@
                 </a:effectLst>
                 <a:latin typeface="Dom Casual" charset="0"/>
               </a:rPr>
-              <a:t> (</a:t>
-            </a:r>
-            <a:r>
-              <a:rPr lang="es-ES_tradnl" sz="4000" b="1" dirty="0" err="1">
-                <a:solidFill>
-                  <a:srgbClr val="FF0000"/>
-                </a:solidFill>
-                <a:effectLst>
-                  <a:outerShdw blurRad="38100" dist="38100" dir="2700000" algn="tl">
-                    <a:srgbClr val="C0C0C0"/>
-                  </a:outerShdw>
-                </a:effectLst>
-                <a:latin typeface="Dom Casual" charset="0"/>
-              </a:rPr>
-              <a:t>max_value</a:t>
-            </a:r>
-            <a:r>
-              <a:rPr lang="es-ES_tradnl" sz="4000" b="1" dirty="0">
-                <a:solidFill>
-                  <a:srgbClr val="FF0000"/>
-                </a:solidFill>
-                <a:effectLst>
-                  <a:outerShdw blurRad="38100" dist="38100" dir="2700000" algn="tl">
-                    <a:srgbClr val="C0C0C0"/>
-                  </a:outerShdw>
-                </a:effectLst>
-                <a:latin typeface="Dom Casual" charset="0"/>
-              </a:rPr>
-              <a:t>)</a:t>
+              <a:t>foro (max_value)</a:t>
             </a:r>
           </a:p>
         </p:txBody>
@@ -5596,16 +5508,6 @@
               <a:t>El </a:t>
             </a:r>
             <a:r>
-              <a:rPr lang="es-ES" sz="2200" b="1" dirty="0" err="1">
-                <a:solidFill>
-                  <a:schemeClr val="accent6">
-                    <a:lumMod val="75000"/>
-                  </a:schemeClr>
-                </a:solidFill>
-              </a:rPr>
-              <a:t>range</a:t>
-            </a:r>
-            <a:r>
               <a:rPr lang="es-ES" sz="2200" b="1" dirty="0">
                 <a:solidFill>
                   <a:schemeClr val="accent6">
@@ -5613,27 +5515,7 @@
                   </a:schemeClr>
                 </a:solidFill>
               </a:rPr>
-              <a:t>(</a:t>
-            </a:r>
-            <a:r>
-              <a:rPr lang="es-ES" sz="2200" b="1" dirty="0" err="1">
-                <a:solidFill>
-                  <a:schemeClr val="accent6">
-                    <a:lumMod val="75000"/>
-                  </a:schemeClr>
-                </a:solidFill>
-              </a:rPr>
-              <a:t>max_value</a:t>
-            </a:r>
-            <a:r>
-              <a:rPr lang="es-ES" sz="2200" b="1" dirty="0">
-                <a:solidFill>
-                  <a:schemeClr val="accent6">
-                    <a:lumMod val="75000"/>
-                  </a:schemeClr>
-                </a:solidFill>
-              </a:rPr>
-              <a:t>) </a:t>
+              <a:t>range(max_value) </a:t>
             </a:r>
             <a:r>
               <a:rPr lang="es-ES" sz="2200" dirty="0">
@@ -5667,27 +5549,7 @@
                   </a:schemeClr>
                 </a:solidFill>
               </a:rPr>
-              <a:t>0 , 1 , ... , </a:t>
-            </a:r>
-            <a:r>
-              <a:rPr lang="es-ES" sz="2200" b="1" dirty="0" err="1">
-                <a:solidFill>
-                  <a:schemeClr val="accent6">
-                    <a:lumMod val="75000"/>
-                  </a:schemeClr>
-                </a:solidFill>
-              </a:rPr>
-              <a:t>max_value</a:t>
-            </a:r>
-            <a:r>
-              <a:rPr lang="es-ES" sz="2200" b="1" dirty="0">
-                <a:solidFill>
-                  <a:schemeClr val="accent6">
-                    <a:lumMod val="75000"/>
-                  </a:schemeClr>
-                </a:solidFill>
-              </a:rPr>
-              <a:t> – 1</a:t>
+              <a:t>0 , 1 , ... , max_value – 1</a:t>
             </a:r>
             <a:r>
               <a:rPr lang="es-ES" sz="2200" dirty="0">
@@ -5778,20 +5640,12 @@
               </a:lnSpc>
             </a:pPr>
             <a:r>
-              <a:rPr lang="es-ES_tradnl" sz="2400" b="1" dirty="0" err="1">
-                <a:solidFill>
-                  <a:srgbClr val="0070C0"/>
-                </a:solidFill>
-              </a:rPr>
-              <a:t>for</a:t>
-            </a:r>
-            <a:r>
               <a:rPr lang="es-ES_tradnl" sz="2400" b="1" dirty="0">
                 <a:solidFill>
                   <a:srgbClr val="0070C0"/>
                 </a:solidFill>
               </a:rPr>
-              <a:t> </a:t>
+              <a:t>for </a:t>
             </a:r>
             <a:r>
               <a:rPr lang="es-ES_tradnl" sz="2400" b="1" dirty="0">
@@ -5807,23 +5661,7 @@
                   <a:srgbClr val="00B050"/>
                 </a:solidFill>
               </a:rPr>
-              <a:t>in </a:t>
-            </a:r>
-            <a:r>
-              <a:rPr lang="es-ES_tradnl" sz="2400" b="1" dirty="0" err="1">
-                <a:solidFill>
-                  <a:srgbClr val="00B050"/>
-                </a:solidFill>
-              </a:rPr>
-              <a:t>range</a:t>
-            </a:r>
-            <a:r>
-              <a:rPr lang="es-ES_tradnl" sz="2400" b="1" dirty="0">
-                <a:solidFill>
-                  <a:srgbClr val="00B050"/>
-                </a:solidFill>
-              </a:rPr>
-              <a:t> </a:t>
+              <a:t>in range </a:t>
             </a:r>
             <a:r>
               <a:rPr lang="es-ES_tradnl" sz="2400" b="1" dirty="0">
@@ -5833,27 +5671,7 @@
                   </a:schemeClr>
                 </a:solidFill>
               </a:rPr>
-              <a:t>(</a:t>
-            </a:r>
-            <a:r>
-              <a:rPr lang="es-ES_tradnl" sz="2400" b="1" dirty="0" err="1">
-                <a:solidFill>
-                  <a:schemeClr val="accent6">
-                    <a:lumMod val="75000"/>
-                  </a:schemeClr>
-                </a:solidFill>
-              </a:rPr>
-              <a:t>max_value</a:t>
-            </a:r>
-            <a:r>
-              <a:rPr lang="es-ES_tradnl" sz="2400" b="1" dirty="0">
-                <a:solidFill>
-                  <a:schemeClr val="accent6">
-                    <a:lumMod val="75000"/>
-                  </a:schemeClr>
-                </a:solidFill>
-              </a:rPr>
-              <a:t>): </a:t>
+              <a:t>(max_value): </a:t>
             </a:r>
           </a:p>
           <a:p>
@@ -10433,23 +10251,7 @@
                 </a:effectLst>
                 <a:latin typeface="Dom Casual" charset="0"/>
               </a:rPr>
-              <a:t>Estructura del </a:t>
-            </a:r>
-            <a:r>
-              <a:rPr lang="es-ES_tradnl" sz="4400" b="1" dirty="0" err="1">
-                <a:solidFill>
-                  <a:schemeClr val="accent4">
-                    <a:lumMod val="50000"/>
-                  </a:schemeClr>
-                </a:solidFill>
-                <a:effectLst>
-                  <a:outerShdw blurRad="38100" dist="38100" dir="2700000" algn="tl">
-                    <a:srgbClr val="C0C0C0"/>
-                  </a:outerShdw>
-                </a:effectLst>
-                <a:latin typeface="Dom Casual" charset="0"/>
-              </a:rPr>
-              <a:t>for</a:t>
+              <a:t>Estructura del for</a:t>
             </a:r>
             <a:br>
               <a:rPr lang="es-ES_tradnl" sz="4400" b="1" dirty="0">
@@ -10467,20 +10269,6 @@
               </a:rPr>
             </a:br>
             <a:r>
-              <a:rPr lang="es-ES_tradnl" sz="3600" b="1" dirty="0" err="1">
-                <a:solidFill>
-                  <a:srgbClr val="FF0000"/>
-                </a:solidFill>
-                <a:effectLst>
-                  <a:outerShdw blurRad="38100" dist="38100" dir="2700000" algn="tl">
-                    <a:srgbClr val="C0C0C0"/>
-                  </a:outerShdw>
-                </a:effectLst>
-                <a:latin typeface="Dom Casual" charset="0"/>
-              </a:rPr>
-              <a:t>for</a:t>
-            </a:r>
-            <a:r>
               <a:rPr lang="es-ES_tradnl" sz="3600" b="1" dirty="0">
                 <a:solidFill>
                   <a:srgbClr val="FF0000"/>
@@ -10492,63 +10280,7 @@
                 </a:effectLst>
                 <a:latin typeface="Dom Casual" charset="0"/>
               </a:rPr>
-              <a:t> (</a:t>
-            </a:r>
-            <a:r>
-              <a:rPr lang="es-ES_tradnl" sz="3600" b="1" dirty="0" err="1">
-                <a:solidFill>
-                  <a:srgbClr val="FF0000"/>
-                </a:solidFill>
-                <a:effectLst>
-                  <a:outerShdw blurRad="38100" dist="38100" dir="2700000" algn="tl">
-                    <a:srgbClr val="C0C0C0"/>
-                  </a:outerShdw>
-                </a:effectLst>
-                <a:latin typeface="Dom Casual" charset="0"/>
-              </a:rPr>
-              <a:t>min_value</a:t>
-            </a:r>
-            <a:r>
-              <a:rPr lang="es-ES_tradnl" sz="3600" b="1" dirty="0">
-                <a:solidFill>
-                  <a:srgbClr val="FF0000"/>
-                </a:solidFill>
-                <a:effectLst>
-                  <a:outerShdw blurRad="38100" dist="38100" dir="2700000" algn="tl">
-                    <a:srgbClr val="C0C0C0"/>
-                  </a:outerShdw>
-                </a:effectLst>
-                <a:latin typeface="Dom Casual" charset="0"/>
-              </a:rPr>
-              <a:t>, </a:t>
-            </a:r>
-            <a:r>
-              <a:rPr lang="es-ES_tradnl" sz="3600" b="1" dirty="0" err="1">
-                <a:solidFill>
-                  <a:srgbClr val="FF0000"/>
-                </a:solidFill>
-                <a:effectLst>
-                  <a:outerShdw blurRad="38100" dist="38100" dir="2700000" algn="tl">
-                    <a:srgbClr val="C0C0C0"/>
-                  </a:outerShdw>
-                </a:effectLst>
-                <a:latin typeface="Dom Casual" charset="0"/>
-              </a:rPr>
-              <a:t>max_value</a:t>
-            </a:r>
-            <a:r>
-              <a:rPr lang="es-ES_tradnl" sz="3600" b="1" dirty="0">
-                <a:solidFill>
-                  <a:srgbClr val="FF0000"/>
-                </a:solidFill>
-                <a:effectLst>
-                  <a:outerShdw blurRad="38100" dist="38100" dir="2700000" algn="tl">
-                    <a:srgbClr val="C0C0C0"/>
-                  </a:outerShdw>
-                </a:effectLst>
-                <a:latin typeface="Dom Casual" charset="0"/>
-              </a:rPr>
-              <a:t>)</a:t>
+              <a:t>rango (min_value, max_value)</a:t>
             </a:r>
           </a:p>
         </p:txBody>
@@ -10597,7 +10329,7 @@
               <a:t>Se puede utilizar el ciclo </a:t>
             </a:r>
             <a:r>
-              <a:rPr lang="es-ES" sz="2200" b="1" dirty="0" err="1">
+              <a:rPr lang="es-ES" sz="2200" b="1" dirty="0">
                 <a:solidFill>
                   <a:schemeClr val="accent6">
                     <a:lumMod val="75000"/>
@@ -10660,16 +10392,6 @@
               <a:t>El </a:t>
             </a:r>
             <a:r>
-              <a:rPr lang="es-ES" sz="2200" b="1" dirty="0" err="1">
-                <a:solidFill>
-                  <a:schemeClr val="accent6">
-                    <a:lumMod val="75000"/>
-                  </a:schemeClr>
-                </a:solidFill>
-              </a:rPr>
-              <a:t>range</a:t>
-            </a:r>
-            <a:r>
               <a:rPr lang="es-ES" sz="2200" b="1" dirty="0">
                 <a:solidFill>
                   <a:schemeClr val="accent6">
@@ -10677,47 +10399,7 @@
                   </a:schemeClr>
                 </a:solidFill>
               </a:rPr>
-              <a:t>(</a:t>
-            </a:r>
-            <a:r>
-              <a:rPr lang="es-ES" sz="2200" b="1" dirty="0" err="1">
-                <a:solidFill>
-                  <a:schemeClr val="accent6">
-                    <a:lumMod val="75000"/>
-                  </a:schemeClr>
-                </a:solidFill>
-              </a:rPr>
-              <a:t>min_value</a:t>
-            </a:r>
-            <a:r>
-              <a:rPr lang="es-ES" sz="2200" b="1" dirty="0">
-                <a:solidFill>
-                  <a:schemeClr val="accent6">
-                    <a:lumMod val="75000"/>
-                  </a:schemeClr>
-                </a:solidFill>
-              </a:rPr>
-              <a:t>, </a:t>
-            </a:r>
-            <a:r>
-              <a:rPr lang="es-ES" sz="2200" b="1" dirty="0" err="1">
-                <a:solidFill>
-                  <a:schemeClr val="accent6">
-                    <a:lumMod val="75000"/>
-                  </a:schemeClr>
-                </a:solidFill>
-              </a:rPr>
-              <a:t>max_value</a:t>
-            </a:r>
-            <a:r>
-              <a:rPr lang="es-ES" sz="2200" b="1" dirty="0">
-                <a:solidFill>
-                  <a:schemeClr val="accent6">
-                    <a:lumMod val="75000"/>
-                  </a:schemeClr>
-                </a:solidFill>
-              </a:rPr>
-              <a:t>) </a:t>
+              <a:t>range(min_value, max_value) </a:t>
             </a:r>
             <a:r>
               <a:rPr lang="es-ES" sz="2200" dirty="0">
@@ -10730,52 +10412,12 @@
               <a:t>genera una secuencia con números </a:t>
             </a:r>
             <a:r>
-              <a:rPr lang="es-ES" sz="2200" b="1" dirty="0" err="1">
-                <a:solidFill>
-                  <a:srgbClr val="0070C0"/>
-                </a:solidFill>
-              </a:rPr>
-              <a:t>min_value</a:t>
-            </a:r>
-            <a:r>
               <a:rPr lang="es-ES" sz="2200" b="1" dirty="0">
                 <a:solidFill>
                   <a:srgbClr val="0070C0"/>
                 </a:solidFill>
               </a:rPr>
-              <a:t> , </a:t>
-            </a:r>
-            <a:r>
-              <a:rPr lang="es-ES" sz="2200" b="1" dirty="0" err="1">
-                <a:solidFill>
-                  <a:srgbClr val="0070C0"/>
-                </a:solidFill>
-              </a:rPr>
-              <a:t>min_value</a:t>
-            </a:r>
-            <a:r>
-              <a:rPr lang="es-ES" sz="2200" b="1" dirty="0">
-                <a:solidFill>
-                  <a:srgbClr val="0070C0"/>
-                </a:solidFill>
-              </a:rPr>
-              <a:t> + 1 , ..., </a:t>
-            </a:r>
-            <a:r>
-              <a:rPr lang="es-ES" sz="2200" b="1" dirty="0" err="1">
-                <a:solidFill>
-                  <a:srgbClr val="0070C0"/>
-                </a:solidFill>
-              </a:rPr>
-              <a:t>max_value</a:t>
-            </a:r>
-            <a:r>
-              <a:rPr lang="es-ES" sz="2200" b="1" dirty="0">
-                <a:solidFill>
-                  <a:srgbClr val="0070C0"/>
-                </a:solidFill>
-              </a:rPr>
-              <a:t> – 1</a:t>
+              <a:t>min_value , min_value + 1 , ..., max_value – 1</a:t>
             </a:r>
             <a:r>
               <a:rPr lang="es-ES" sz="2200" dirty="0">
@@ -10866,16 +10508,6 @@
               </a:lnSpc>
             </a:pPr>
             <a:r>
-              <a:rPr lang="es-ES_tradnl" sz="2400" b="1" dirty="0" err="1">
-                <a:solidFill>
-                  <a:schemeClr val="accent6">
-                    <a:lumMod val="75000"/>
-                  </a:schemeClr>
-                </a:solidFill>
-              </a:rPr>
-              <a:t>for</a:t>
-            </a:r>
-            <a:r>
               <a:rPr lang="es-ES_tradnl" sz="2400" b="1" dirty="0">
                 <a:solidFill>
                   <a:schemeClr val="accent6">
@@ -10883,7 +10515,7 @@
                   </a:schemeClr>
                 </a:solidFill>
               </a:rPr>
-              <a:t> </a:t>
+              <a:t>for </a:t>
             </a:r>
             <a:r>
               <a:rPr lang="es-ES_tradnl" sz="2400" b="1" dirty="0">
@@ -10899,23 +10531,7 @@
                   <a:srgbClr val="00B050"/>
                 </a:solidFill>
               </a:rPr>
-              <a:t>in </a:t>
-            </a:r>
-            <a:r>
-              <a:rPr lang="es-ES_tradnl" sz="2400" b="1" dirty="0" err="1">
-                <a:solidFill>
-                  <a:srgbClr val="00B050"/>
-                </a:solidFill>
-              </a:rPr>
-              <a:t>range</a:t>
-            </a:r>
-            <a:r>
-              <a:rPr lang="es-ES_tradnl" sz="2400" b="1" dirty="0">
-                <a:solidFill>
-                  <a:srgbClr val="00B050"/>
-                </a:solidFill>
-              </a:rPr>
-              <a:t> </a:t>
+              <a:t>in range </a:t>
             </a:r>
             <a:r>
               <a:rPr lang="es-ES_tradnl" sz="2400" b="1" dirty="0">
@@ -10925,47 +10541,7 @@
                   </a:schemeClr>
                 </a:solidFill>
               </a:rPr>
-              <a:t>(</a:t>
-            </a:r>
-            <a:r>
-              <a:rPr lang="es-ES_tradnl" sz="2400" b="1" dirty="0" err="1">
-                <a:solidFill>
-                  <a:schemeClr val="accent6">
-                    <a:lumMod val="75000"/>
-                  </a:schemeClr>
-                </a:solidFill>
-              </a:rPr>
-              <a:t>min_value</a:t>
-            </a:r>
-            <a:r>
-              <a:rPr lang="es-ES_tradnl" sz="2400" b="1" dirty="0">
-                <a:solidFill>
-                  <a:schemeClr val="accent6">
-                    <a:lumMod val="75000"/>
-                  </a:schemeClr>
-                </a:solidFill>
-              </a:rPr>
-              <a:t>, </a:t>
-            </a:r>
-            <a:r>
-              <a:rPr lang="es-ES_tradnl" sz="2400" b="1" dirty="0" err="1">
-                <a:solidFill>
-                  <a:schemeClr val="accent6">
-                    <a:lumMod val="75000"/>
-                  </a:schemeClr>
-                </a:solidFill>
-              </a:rPr>
-              <a:t>max_value</a:t>
-            </a:r>
-            <a:r>
-              <a:rPr lang="es-ES_tradnl" sz="2400" b="1" dirty="0">
-                <a:solidFill>
-                  <a:schemeClr val="accent6">
-                    <a:lumMod val="75000"/>
-                  </a:schemeClr>
-                </a:solidFill>
-              </a:rPr>
-              <a:t>): </a:t>
+              <a:t>(min_value, max_value): </a:t>
             </a:r>
           </a:p>
           <a:p>
@@ -15545,23 +15121,7 @@
                 </a:effectLst>
                 <a:latin typeface="Dom Casual" charset="0"/>
               </a:rPr>
-              <a:t>Estructura del </a:t>
-            </a:r>
-            <a:r>
-              <a:rPr lang="es-ES_tradnl" sz="4900" b="1" dirty="0" err="1">
-                <a:solidFill>
-                  <a:schemeClr val="accent4">
-                    <a:lumMod val="50000"/>
-                  </a:schemeClr>
-                </a:solidFill>
-                <a:effectLst>
-                  <a:outerShdw blurRad="38100" dist="38100" dir="2700000" algn="tl">
-                    <a:srgbClr val="C0C0C0"/>
-                  </a:outerShdw>
-                </a:effectLst>
-                <a:latin typeface="Dom Casual" charset="0"/>
-              </a:rPr>
-              <a:t>for</a:t>
+              <a:t>Estructura del for</a:t>
             </a:r>
             <a:br>
               <a:rPr lang="es-ES_tradnl" sz="4400" b="1" dirty="0">
@@ -15579,20 +15139,12 @@
               </a:rPr>
             </a:br>
             <a:r>
-              <a:rPr lang="es-ES_tradnl" sz="4000" b="1" dirty="0" err="1">
-                <a:solidFill>
-                  <a:srgbClr val="FF0000"/>
-                </a:solidFill>
-              </a:rPr>
-              <a:t>for</a:t>
-            </a:r>
-            <a:r>
               <a:rPr lang="es-ES_tradnl" sz="4000" b="1" dirty="0">
                 <a:solidFill>
                   <a:srgbClr val="FF0000"/>
                 </a:solidFill>
               </a:rPr>
-              <a:t> </a:t>
+              <a:t>foro </a:t>
             </a:r>
             <a:r>
               <a:rPr lang="es-ES" sz="4000" b="1" dirty="0">
@@ -15600,55 +15152,7 @@
                   <a:srgbClr val="FF0000"/>
                 </a:solidFill>
               </a:rPr>
-              <a:t>(</a:t>
-            </a:r>
-            <a:r>
-              <a:rPr lang="es-ES" sz="4000" b="1" dirty="0" err="1">
-                <a:solidFill>
-                  <a:srgbClr val="FF0000"/>
-                </a:solidFill>
-              </a:rPr>
-              <a:t>min_value</a:t>
-            </a:r>
-            <a:r>
-              <a:rPr lang="es-ES" sz="4000" b="1" dirty="0">
-                <a:solidFill>
-                  <a:srgbClr val="FF0000"/>
-                </a:solidFill>
-              </a:rPr>
-              <a:t>, </a:t>
-            </a:r>
-            <a:r>
-              <a:rPr lang="es-ES" sz="4000" b="1" dirty="0" err="1">
-                <a:solidFill>
-                  <a:srgbClr val="FF0000"/>
-                </a:solidFill>
-              </a:rPr>
-              <a:t>max_value</a:t>
-            </a:r>
-            <a:r>
-              <a:rPr lang="es-ES" sz="4000" b="1" dirty="0">
-                <a:solidFill>
-                  <a:srgbClr val="FF0000"/>
-                </a:solidFill>
-              </a:rPr>
-              <a:t>, </a:t>
-            </a:r>
-            <a:r>
-              <a:rPr lang="es-ES" sz="4000" b="1" dirty="0" err="1">
-                <a:solidFill>
-                  <a:srgbClr val="FF0000"/>
-                </a:solidFill>
-              </a:rPr>
-              <a:t>num</a:t>
-            </a:r>
-            <a:r>
-              <a:rPr lang="es-ES" sz="4000" b="1" dirty="0">
-                <a:solidFill>
-                  <a:srgbClr val="FF0000"/>
-                </a:solidFill>
-              </a:rPr>
-              <a:t>)</a:t>
+              <a:t>(min_value, max_value, num)</a:t>
             </a:r>
             <a:br>
               <a:rPr lang="es-ES_tradnl" sz="4000" b="1" dirty="0">
@@ -15719,7 +15223,7 @@
               <a:t>Se puede utilizar el ciclo </a:t>
             </a:r>
             <a:r>
-              <a:rPr lang="es-ES" sz="2200" b="1" dirty="0" err="1">
+              <a:rPr lang="es-ES" sz="2200" b="1" dirty="0">
                 <a:solidFill>
                   <a:schemeClr val="accent6">
                     <a:lumMod val="75000"/>
@@ -15802,16 +15306,6 @@
               <a:t>El </a:t>
             </a:r>
             <a:r>
-              <a:rPr lang="es-ES" sz="2200" b="1" dirty="0" err="1">
-                <a:solidFill>
-                  <a:schemeClr val="accent6">
-                    <a:lumMod val="75000"/>
-                  </a:schemeClr>
-                </a:solidFill>
-              </a:rPr>
-              <a:t>range</a:t>
-            </a:r>
-            <a:r>
               <a:rPr lang="es-ES" sz="2200" b="1" dirty="0">
                 <a:solidFill>
                   <a:schemeClr val="accent6">
@@ -15819,67 +15313,7 @@
                   </a:schemeClr>
                 </a:solidFill>
               </a:rPr>
-              <a:t>(</a:t>
-            </a:r>
-            <a:r>
-              <a:rPr lang="es-ES" sz="2200" b="1" dirty="0" err="1">
-                <a:solidFill>
-                  <a:schemeClr val="accent6">
-                    <a:lumMod val="75000"/>
-                  </a:schemeClr>
-                </a:solidFill>
-              </a:rPr>
-              <a:t>min_value</a:t>
-            </a:r>
-            <a:r>
-              <a:rPr lang="es-ES" sz="2200" b="1" dirty="0">
-                <a:solidFill>
-                  <a:schemeClr val="accent6">
-                    <a:lumMod val="75000"/>
-                  </a:schemeClr>
-                </a:solidFill>
-              </a:rPr>
-              <a:t>, </a:t>
-            </a:r>
-            <a:r>
-              <a:rPr lang="es-ES" sz="2200" b="1" dirty="0" err="1">
-                <a:solidFill>
-                  <a:schemeClr val="accent6">
-                    <a:lumMod val="75000"/>
-                  </a:schemeClr>
-                </a:solidFill>
-              </a:rPr>
-              <a:t>max_value</a:t>
-            </a:r>
-            <a:r>
-              <a:rPr lang="es-ES" sz="2200" b="1" dirty="0">
-                <a:solidFill>
-                  <a:schemeClr val="accent6">
-                    <a:lumMod val="75000"/>
-                  </a:schemeClr>
-                </a:solidFill>
-              </a:rPr>
-              <a:t>, </a:t>
-            </a:r>
-            <a:r>
-              <a:rPr lang="es-ES" sz="2200" b="1" dirty="0" err="1">
-                <a:solidFill>
-                  <a:schemeClr val="accent6">
-                    <a:lumMod val="75000"/>
-                  </a:schemeClr>
-                </a:solidFill>
-              </a:rPr>
-              <a:t>num</a:t>
-            </a:r>
-            <a:r>
-              <a:rPr lang="es-ES" sz="2200" b="1" dirty="0">
-                <a:solidFill>
-                  <a:schemeClr val="accent6">
-                    <a:lumMod val="75000"/>
-                  </a:schemeClr>
-                </a:solidFill>
-              </a:rPr>
-              <a:t>) </a:t>
+              <a:t>range(min_value, max_value, num) </a:t>
             </a:r>
             <a:r>
               <a:rPr lang="es-ES" sz="2200" dirty="0">
@@ -15892,52 +15326,12 @@
               <a:t>genera una secuencia con números </a:t>
             </a:r>
             <a:r>
-              <a:rPr lang="es-ES" sz="2200" b="1" dirty="0" err="1">
-                <a:solidFill>
-                  <a:srgbClr val="0070C0"/>
-                </a:solidFill>
-              </a:rPr>
-              <a:t>min_value</a:t>
-            </a:r>
-            <a:r>
               <a:rPr lang="es-ES" sz="2200" b="1" dirty="0">
                 <a:solidFill>
                   <a:srgbClr val="0070C0"/>
                 </a:solidFill>
               </a:rPr>
-              <a:t> , </a:t>
-            </a:r>
-            <a:r>
-              <a:rPr lang="es-ES" sz="2200" b="1" dirty="0" err="1">
-                <a:solidFill>
-                  <a:srgbClr val="0070C0"/>
-                </a:solidFill>
-              </a:rPr>
-              <a:t>min_value</a:t>
-            </a:r>
-            <a:r>
-              <a:rPr lang="es-ES" sz="2200" b="1" dirty="0">
-                <a:solidFill>
-                  <a:srgbClr val="0070C0"/>
-                </a:solidFill>
-              </a:rPr>
-              <a:t> + </a:t>
-            </a:r>
-            <a:r>
-              <a:rPr lang="es-ES" sz="2200" b="1" dirty="0" err="1">
-                <a:solidFill>
-                  <a:srgbClr val="0070C0"/>
-                </a:solidFill>
-              </a:rPr>
-              <a:t>num</a:t>
-            </a:r>
-            <a:r>
-              <a:rPr lang="es-ES" sz="2200" b="1" dirty="0">
-                <a:solidFill>
-                  <a:srgbClr val="0070C0"/>
-                </a:solidFill>
-              </a:rPr>
-              <a:t>, ...</a:t>
+              <a:t>min_value , min_value + num, ...</a:t>
             </a:r>
             <a:r>
               <a:rPr lang="es-ES" sz="2200" dirty="0">
@@ -15947,47 +15341,7 @@
                   </a:schemeClr>
                 </a:solidFill>
               </a:rPr>
-              <a:t> El ciclo siempre incluye </a:t>
-            </a:r>
-            <a:r>
-              <a:rPr lang="es-ES" sz="2200" dirty="0" err="1">
-                <a:solidFill>
-                  <a:schemeClr val="bg2">
-                    <a:lumMod val="25000"/>
-                  </a:schemeClr>
-                </a:solidFill>
-              </a:rPr>
-              <a:t>min_value</a:t>
-            </a:r>
-            <a:r>
-              <a:rPr lang="es-ES" sz="2200" dirty="0">
-                <a:solidFill>
-                  <a:schemeClr val="bg2">
-                    <a:lumMod val="25000"/>
-                  </a:schemeClr>
-                </a:solidFill>
-              </a:rPr>
-              <a:t> y excluye </a:t>
-            </a:r>
-            <a:r>
-              <a:rPr lang="es-ES" sz="2200" dirty="0" err="1">
-                <a:solidFill>
-                  <a:schemeClr val="bg2">
-                    <a:lumMod val="25000"/>
-                  </a:schemeClr>
-                </a:solidFill>
-              </a:rPr>
-              <a:t>max_value</a:t>
-            </a:r>
-            <a:r>
-              <a:rPr lang="es-ES" sz="2200" dirty="0">
-                <a:solidFill>
-                  <a:schemeClr val="bg2">
-                    <a:lumMod val="25000"/>
-                  </a:schemeClr>
-                </a:solidFill>
-              </a:rPr>
-              <a:t>.</a:t>
+              <a:t> El ciclo siempre incluye min_value y excluye max_value.</a:t>
             </a:r>
             <a:endParaRPr lang="es-ES_tradnl" sz="2200" dirty="0">
               <a:solidFill>
@@ -16068,16 +15422,6 @@
               </a:lnSpc>
             </a:pPr>
             <a:r>
-              <a:rPr lang="es-ES_tradnl" sz="2400" b="1" dirty="0" err="1">
-                <a:solidFill>
-                  <a:schemeClr val="accent6">
-                    <a:lumMod val="75000"/>
-                  </a:schemeClr>
-                </a:solidFill>
-              </a:rPr>
-              <a:t>for</a:t>
-            </a:r>
-            <a:r>
               <a:rPr lang="es-ES_tradnl" sz="2400" b="1" dirty="0">
                 <a:solidFill>
                   <a:schemeClr val="accent6">
@@ -16085,7 +15429,7 @@
                   </a:schemeClr>
                 </a:solidFill>
               </a:rPr>
-              <a:t> </a:t>
+              <a:t>for </a:t>
             </a:r>
             <a:r>
               <a:rPr lang="es-ES_tradnl" sz="2400" b="1" dirty="0">
@@ -16101,23 +15445,7 @@
                   <a:srgbClr val="00B050"/>
                 </a:solidFill>
               </a:rPr>
-              <a:t>in </a:t>
-            </a:r>
-            <a:r>
-              <a:rPr lang="es-ES_tradnl" sz="2400" b="1" dirty="0" err="1">
-                <a:solidFill>
-                  <a:srgbClr val="00B050"/>
-                </a:solidFill>
-              </a:rPr>
-              <a:t>range</a:t>
-            </a:r>
-            <a:r>
-              <a:rPr lang="es-ES_tradnl" sz="2400" b="1" dirty="0">
-                <a:solidFill>
-                  <a:srgbClr val="00B050"/>
-                </a:solidFill>
-              </a:rPr>
-              <a:t> </a:t>
+              <a:t>in range </a:t>
             </a:r>
             <a:r>
               <a:rPr lang="es-ES_tradnl" sz="2400" b="1" dirty="0">
@@ -16127,67 +15455,7 @@
                   </a:schemeClr>
                 </a:solidFill>
               </a:rPr>
-              <a:t>(</a:t>
-            </a:r>
-            <a:r>
-              <a:rPr lang="es-ES_tradnl" sz="2400" b="1" dirty="0" err="1">
-                <a:solidFill>
-                  <a:schemeClr val="accent6">
-                    <a:lumMod val="75000"/>
-                  </a:schemeClr>
-                </a:solidFill>
-              </a:rPr>
-              <a:t>min_value</a:t>
-            </a:r>
-            <a:r>
-              <a:rPr lang="es-ES_tradnl" sz="2400" b="1" dirty="0">
-                <a:solidFill>
-                  <a:schemeClr val="accent6">
-                    <a:lumMod val="75000"/>
-                  </a:schemeClr>
-                </a:solidFill>
-              </a:rPr>
-              <a:t>, </a:t>
-            </a:r>
-            <a:r>
-              <a:rPr lang="es-ES_tradnl" sz="2400" b="1" dirty="0" err="1">
-                <a:solidFill>
-                  <a:schemeClr val="accent6">
-                    <a:lumMod val="75000"/>
-                  </a:schemeClr>
-                </a:solidFill>
-              </a:rPr>
-              <a:t>max_value</a:t>
-            </a:r>
-            <a:r>
-              <a:rPr lang="es-ES_tradnl" sz="2400" b="1" dirty="0">
-                <a:solidFill>
-                  <a:schemeClr val="accent6">
-                    <a:lumMod val="75000"/>
-                  </a:schemeClr>
-                </a:solidFill>
-              </a:rPr>
-              <a:t>, </a:t>
-            </a:r>
-            <a:r>
-              <a:rPr lang="es-ES_tradnl" sz="2400" b="1" dirty="0" err="1">
-                <a:solidFill>
-                  <a:schemeClr val="accent6">
-                    <a:lumMod val="75000"/>
-                  </a:schemeClr>
-                </a:solidFill>
-              </a:rPr>
-              <a:t>num</a:t>
-            </a:r>
-            <a:r>
-              <a:rPr lang="es-ES_tradnl" sz="2400" b="1" dirty="0">
-                <a:solidFill>
-                  <a:schemeClr val="accent6">
-                    <a:lumMod val="75000"/>
-                  </a:schemeClr>
-                </a:solidFill>
-              </a:rPr>
-              <a:t>): </a:t>
+              <a:t>(min_value, max_value, num): </a:t>
             </a:r>
           </a:p>
           <a:p>
@@ -18543,23 +17811,7 @@
                 </a:effectLst>
                 <a:latin typeface="Dom Casual" charset="0"/>
               </a:rPr>
-              <a:t>Estructura del </a:t>
-            </a:r>
-            <a:r>
-              <a:rPr lang="es-ES_tradnl" sz="4900" b="1" dirty="0" err="1">
-                <a:solidFill>
-                  <a:schemeClr val="accent4">
-                    <a:lumMod val="50000"/>
-                  </a:schemeClr>
-                </a:solidFill>
-                <a:effectLst>
-                  <a:outerShdw blurRad="38100" dist="38100" dir="2700000" algn="tl">
-                    <a:srgbClr val="C0C0C0"/>
-                  </a:outerShdw>
-                </a:effectLst>
-                <a:latin typeface="Dom Casual" charset="0"/>
-              </a:rPr>
-              <a:t>for</a:t>
+              <a:t>Estructura del for</a:t>
             </a:r>
             <a:br>
               <a:rPr lang="es-ES_tradnl" sz="4400" b="1" dirty="0">
@@ -18577,20 +17829,12 @@
               </a:rPr>
             </a:br>
             <a:r>
-              <a:rPr lang="es-ES_tradnl" sz="4000" b="1" dirty="0" err="1">
-                <a:solidFill>
-                  <a:srgbClr val="FF0000"/>
-                </a:solidFill>
-              </a:rPr>
-              <a:t>for</a:t>
-            </a:r>
-            <a:r>
               <a:rPr lang="es-ES_tradnl" sz="4000" b="1" dirty="0">
                 <a:solidFill>
                   <a:srgbClr val="FF0000"/>
                 </a:solidFill>
               </a:rPr>
-              <a:t> </a:t>
+              <a:t>núm. </a:t>
             </a:r>
             <a:r>
               <a:rPr lang="es-ES" sz="4000" b="1" dirty="0">
@@ -18598,55 +17842,7 @@
                   <a:srgbClr val="FF0000"/>
                 </a:solidFill>
               </a:rPr>
-              <a:t>(</a:t>
-            </a:r>
-            <a:r>
-              <a:rPr lang="es-ES" sz="4000" b="1" dirty="0" err="1">
-                <a:solidFill>
-                  <a:srgbClr val="FF0000"/>
-                </a:solidFill>
-              </a:rPr>
-              <a:t>max_value</a:t>
-            </a:r>
-            <a:r>
-              <a:rPr lang="es-ES" sz="4000" b="1" dirty="0">
-                <a:solidFill>
-                  <a:srgbClr val="FF0000"/>
-                </a:solidFill>
-              </a:rPr>
-              <a:t>, </a:t>
-            </a:r>
-            <a:r>
-              <a:rPr lang="es-ES" sz="4000" b="1" dirty="0" err="1">
-                <a:solidFill>
-                  <a:srgbClr val="FF0000"/>
-                </a:solidFill>
-              </a:rPr>
-              <a:t>min_value</a:t>
-            </a:r>
-            <a:r>
-              <a:rPr lang="es-ES" sz="4000" b="1" dirty="0">
-                <a:solidFill>
-                  <a:srgbClr val="FF0000"/>
-                </a:solidFill>
-              </a:rPr>
-              <a:t>, -</a:t>
-            </a:r>
-            <a:r>
-              <a:rPr lang="es-ES" sz="4000" b="1" dirty="0" err="1">
-                <a:solidFill>
-                  <a:srgbClr val="FF0000"/>
-                </a:solidFill>
-              </a:rPr>
-              <a:t>num</a:t>
-            </a:r>
-            <a:r>
-              <a:rPr lang="es-ES" sz="4000" b="1" dirty="0">
-                <a:solidFill>
-                  <a:srgbClr val="FF0000"/>
-                </a:solidFill>
-              </a:rPr>
-              <a:t>)</a:t>
+              <a:t>(max_value, min_value, -num)</a:t>
             </a:r>
             <a:br>
               <a:rPr lang="es-ES_tradnl" sz="4000" b="1" dirty="0">
@@ -18717,7 +17913,7 @@
               <a:t>Se puede utilizar el ciclo </a:t>
             </a:r>
             <a:r>
-              <a:rPr lang="es-ES" sz="2200" b="1" dirty="0" err="1">
+              <a:rPr lang="es-ES" sz="2200" b="1" dirty="0">
                 <a:solidFill>
                   <a:schemeClr val="accent6">
                     <a:lumMod val="75000"/>
@@ -18800,16 +17996,6 @@
               <a:t>El </a:t>
             </a:r>
             <a:r>
-              <a:rPr lang="es-ES" sz="2200" b="1" dirty="0" err="1">
-                <a:solidFill>
-                  <a:schemeClr val="accent6">
-                    <a:lumMod val="75000"/>
-                  </a:schemeClr>
-                </a:solidFill>
-              </a:rPr>
-              <a:t>range</a:t>
-            </a:r>
-            <a:r>
               <a:rPr lang="es-ES" sz="2200" b="1" dirty="0">
                 <a:solidFill>
                   <a:schemeClr val="accent6">
@@ -18817,67 +18003,7 @@
                   </a:schemeClr>
                 </a:solidFill>
               </a:rPr>
-              <a:t>(</a:t>
-            </a:r>
-            <a:r>
-              <a:rPr lang="es-ES" sz="2200" b="1" dirty="0" err="1">
-                <a:solidFill>
-                  <a:schemeClr val="accent6">
-                    <a:lumMod val="75000"/>
-                  </a:schemeClr>
-                </a:solidFill>
-              </a:rPr>
-              <a:t>max_value</a:t>
-            </a:r>
-            <a:r>
-              <a:rPr lang="es-ES" sz="2200" b="1" dirty="0">
-                <a:solidFill>
-                  <a:schemeClr val="accent6">
-                    <a:lumMod val="75000"/>
-                  </a:schemeClr>
-                </a:solidFill>
-              </a:rPr>
-              <a:t>, </a:t>
-            </a:r>
-            <a:r>
-              <a:rPr lang="es-ES" sz="2200" b="1" dirty="0" err="1">
-                <a:solidFill>
-                  <a:schemeClr val="accent6">
-                    <a:lumMod val="75000"/>
-                  </a:schemeClr>
-                </a:solidFill>
-              </a:rPr>
-              <a:t>min_value</a:t>
-            </a:r>
-            <a:r>
-              <a:rPr lang="es-ES" sz="2200" b="1" dirty="0">
-                <a:solidFill>
-                  <a:schemeClr val="accent6">
-                    <a:lumMod val="75000"/>
-                  </a:schemeClr>
-                </a:solidFill>
-              </a:rPr>
-              <a:t>, -</a:t>
-            </a:r>
-            <a:r>
-              <a:rPr lang="es-ES" sz="2200" b="1" dirty="0" err="1">
-                <a:solidFill>
-                  <a:schemeClr val="accent6">
-                    <a:lumMod val="75000"/>
-                  </a:schemeClr>
-                </a:solidFill>
-              </a:rPr>
-              <a:t>num</a:t>
-            </a:r>
-            <a:r>
-              <a:rPr lang="es-ES" sz="2200" b="1" dirty="0">
-                <a:solidFill>
-                  <a:schemeClr val="accent6">
-                    <a:lumMod val="75000"/>
-                  </a:schemeClr>
-                </a:solidFill>
-              </a:rPr>
-              <a:t>) </a:t>
+              <a:t>range(max_value, min_value, -num) </a:t>
             </a:r>
             <a:r>
               <a:rPr lang="es-ES" sz="2200" dirty="0">
@@ -18890,52 +18016,12 @@
               <a:t>genera una secuencia con números </a:t>
             </a:r>
             <a:r>
-              <a:rPr lang="es-ES" sz="2200" b="1" dirty="0" err="1">
-                <a:solidFill>
-                  <a:srgbClr val="0070C0"/>
-                </a:solidFill>
-              </a:rPr>
-              <a:t>max_value</a:t>
-            </a:r>
-            <a:r>
               <a:rPr lang="es-ES" sz="2200" b="1" dirty="0">
                 <a:solidFill>
                   <a:srgbClr val="0070C0"/>
                 </a:solidFill>
               </a:rPr>
-              <a:t> , </a:t>
-            </a:r>
-            <a:r>
-              <a:rPr lang="es-ES" sz="2200" b="1" dirty="0" err="1">
-                <a:solidFill>
-                  <a:srgbClr val="0070C0"/>
-                </a:solidFill>
-              </a:rPr>
-              <a:t>max_value</a:t>
-            </a:r>
-            <a:r>
-              <a:rPr lang="es-ES" sz="2200" b="1" dirty="0">
-                <a:solidFill>
-                  <a:srgbClr val="0070C0"/>
-                </a:solidFill>
-              </a:rPr>
-              <a:t> - </a:t>
-            </a:r>
-            <a:r>
-              <a:rPr lang="es-ES" sz="2200" b="1" dirty="0" err="1">
-                <a:solidFill>
-                  <a:srgbClr val="0070C0"/>
-                </a:solidFill>
-              </a:rPr>
-              <a:t>num</a:t>
-            </a:r>
-            <a:r>
-              <a:rPr lang="es-ES" sz="2200" b="1" dirty="0">
-                <a:solidFill>
-                  <a:srgbClr val="0070C0"/>
-                </a:solidFill>
-              </a:rPr>
-              <a:t>, ...</a:t>
+              <a:t>max_value , max_value - num, ...</a:t>
             </a:r>
             <a:r>
               <a:rPr lang="es-ES" sz="2200" dirty="0">
@@ -18945,47 +18031,7 @@
                   </a:schemeClr>
                 </a:solidFill>
               </a:rPr>
-              <a:t> El ciclo siempre incluye </a:t>
-            </a:r>
-            <a:r>
-              <a:rPr lang="es-ES" sz="2200" dirty="0" err="1">
-                <a:solidFill>
-                  <a:schemeClr val="bg2">
-                    <a:lumMod val="25000"/>
-                  </a:schemeClr>
-                </a:solidFill>
-              </a:rPr>
-              <a:t>max_value</a:t>
-            </a:r>
-            <a:r>
-              <a:rPr lang="es-ES" sz="2200" dirty="0">
-                <a:solidFill>
-                  <a:schemeClr val="bg2">
-                    <a:lumMod val="25000"/>
-                  </a:schemeClr>
-                </a:solidFill>
-              </a:rPr>
-              <a:t> y excluye </a:t>
-            </a:r>
-            <a:r>
-              <a:rPr lang="es-ES" sz="2200" dirty="0" err="1">
-                <a:solidFill>
-                  <a:schemeClr val="bg2">
-                    <a:lumMod val="25000"/>
-                  </a:schemeClr>
-                </a:solidFill>
-              </a:rPr>
-              <a:t>min_value</a:t>
-            </a:r>
-            <a:r>
-              <a:rPr lang="es-ES" sz="2200" dirty="0">
-                <a:solidFill>
-                  <a:schemeClr val="bg2">
-                    <a:lumMod val="25000"/>
-                  </a:schemeClr>
-                </a:solidFill>
-              </a:rPr>
-              <a:t>.</a:t>
+              <a:t> El ciclo siempre incluye max_value y excluye min_value.</a:t>
             </a:r>
             <a:endParaRPr lang="es-ES_tradnl" sz="2200" dirty="0">
               <a:solidFill>
@@ -19066,16 +18112,6 @@
               </a:lnSpc>
             </a:pPr>
             <a:r>
-              <a:rPr lang="es-ES_tradnl" sz="2400" b="1" dirty="0" err="1">
-                <a:solidFill>
-                  <a:schemeClr val="accent6">
-                    <a:lumMod val="75000"/>
-                  </a:schemeClr>
-                </a:solidFill>
-              </a:rPr>
-              <a:t>for</a:t>
-            </a:r>
-            <a:r>
               <a:rPr lang="es-ES_tradnl" sz="2400" b="1" dirty="0">
                 <a:solidFill>
                   <a:schemeClr val="accent6">
@@ -19083,7 +18119,7 @@
                   </a:schemeClr>
                 </a:solidFill>
               </a:rPr>
-              <a:t> </a:t>
+              <a:t>for </a:t>
             </a:r>
             <a:r>
               <a:rPr lang="es-ES_tradnl" sz="2400" b="1" dirty="0">
@@ -19099,23 +18135,7 @@
                   <a:srgbClr val="00B050"/>
                 </a:solidFill>
               </a:rPr>
-              <a:t>in </a:t>
-            </a:r>
-            <a:r>
-              <a:rPr lang="es-ES_tradnl" sz="2400" b="1" dirty="0" err="1">
-                <a:solidFill>
-                  <a:srgbClr val="00B050"/>
-                </a:solidFill>
-              </a:rPr>
-              <a:t>range</a:t>
-            </a:r>
-            <a:r>
-              <a:rPr lang="es-ES_tradnl" sz="2400" b="1" dirty="0">
-                <a:solidFill>
-                  <a:srgbClr val="00B050"/>
-                </a:solidFill>
-              </a:rPr>
-              <a:t> </a:t>
+              <a:t>in range </a:t>
             </a:r>
             <a:r>
               <a:rPr lang="es-ES_tradnl" sz="2400" b="1" dirty="0">
@@ -19125,67 +18145,7 @@
                   </a:schemeClr>
                 </a:solidFill>
               </a:rPr>
-              <a:t>(</a:t>
-            </a:r>
-            <a:r>
-              <a:rPr lang="es-ES_tradnl" sz="2400" b="1" dirty="0" err="1">
-                <a:solidFill>
-                  <a:schemeClr val="accent6">
-                    <a:lumMod val="75000"/>
-                  </a:schemeClr>
-                </a:solidFill>
-              </a:rPr>
-              <a:t>max_value</a:t>
-            </a:r>
-            <a:r>
-              <a:rPr lang="es-ES_tradnl" sz="2400" b="1" dirty="0">
-                <a:solidFill>
-                  <a:schemeClr val="accent6">
-                    <a:lumMod val="75000"/>
-                  </a:schemeClr>
-                </a:solidFill>
-              </a:rPr>
-              <a:t>, </a:t>
-            </a:r>
-            <a:r>
-              <a:rPr lang="es-ES_tradnl" sz="2400" b="1" dirty="0" err="1">
-                <a:solidFill>
-                  <a:schemeClr val="accent6">
-                    <a:lumMod val="75000"/>
-                  </a:schemeClr>
-                </a:solidFill>
-              </a:rPr>
-              <a:t>min_value</a:t>
-            </a:r>
-            <a:r>
-              <a:rPr lang="es-ES_tradnl" sz="2400" b="1" dirty="0">
-                <a:solidFill>
-                  <a:schemeClr val="accent6">
-                    <a:lumMod val="75000"/>
-                  </a:schemeClr>
-                </a:solidFill>
-              </a:rPr>
-              <a:t>, -</a:t>
-            </a:r>
-            <a:r>
-              <a:rPr lang="es-ES_tradnl" sz="2400" b="1" dirty="0" err="1">
-                <a:solidFill>
-                  <a:schemeClr val="accent6">
-                    <a:lumMod val="75000"/>
-                  </a:schemeClr>
-                </a:solidFill>
-              </a:rPr>
-              <a:t>num</a:t>
-            </a:r>
-            <a:r>
-              <a:rPr lang="es-ES_tradnl" sz="2400" b="1" dirty="0">
-                <a:solidFill>
-                  <a:schemeClr val="accent6">
-                    <a:lumMod val="75000"/>
-                  </a:schemeClr>
-                </a:solidFill>
-              </a:rPr>
-              <a:t>): </a:t>
+              <a:t>(max_value, min_value, -num): </a:t>
             </a:r>
           </a:p>
           <a:p>
@@ -26282,7 +25242,7 @@
               <a:t>Definir la función </a:t>
             </a:r>
             <a:r>
-              <a:rPr lang="es-MX" sz="2400" b="1" spc="-20" dirty="0" err="1">
+              <a:rPr lang="es-MX" sz="2400" b="1" spc="-20" dirty="0">
                 <a:solidFill>
                   <a:schemeClr val="accent6">
                     <a:lumMod val="75000"/>
@@ -26290,7 +25250,7 @@
                 </a:solidFill>
                 <a:cs typeface="Calibri"/>
               </a:rPr>
-              <a:t>dibujaAsteriscos</a:t>
+              <a:t>dibuja_asteriscos</a:t>
             </a:r>
             <a:r>
               <a:rPr lang="es-MX" sz="2400" spc="-20" dirty="0">
@@ -26409,16 +25369,6 @@
               <a:defRPr/>
             </a:pPr>
             <a:r>
-              <a:rPr lang="es-ES_tradnl" sz="2400" b="1" dirty="0" err="1">
-                <a:solidFill>
-                  <a:schemeClr val="accent6">
-                    <a:lumMod val="75000"/>
-                  </a:schemeClr>
-                </a:solidFill>
-              </a:rPr>
-              <a:t>dibujaAsteriscos</a:t>
-            </a:r>
-            <a:r>
               <a:rPr lang="es-ES_tradnl" sz="2400" b="1" dirty="0">
                 <a:solidFill>
                   <a:schemeClr val="accent6">
@@ -26426,7 +25376,7 @@
                   </a:schemeClr>
                 </a:solidFill>
               </a:rPr>
-              <a:t>(4)</a:t>
+              <a:t>dibuja_asteriscos(4)</a:t>
             </a:r>
             <a:endParaRPr lang="es-ES_tradnl" sz="2400" dirty="0">
               <a:solidFill>
@@ -26621,7 +25571,7 @@
           </a:bodyPr>
           <a:lstStyle/>
           <a:p>
-            <a:endParaRPr/>
+            <a:endParaRPr dirty="0"/>
           </a:p>
         </p:txBody>
       </p:sp>
@@ -26652,7 +25602,7 @@
           </a:bodyPr>
           <a:lstStyle/>
           <a:p>
-            <a:endParaRPr/>
+            <a:endParaRPr dirty="0"/>
           </a:p>
         </p:txBody>
       </p:sp>
@@ -26711,7 +25661,7 @@
           </a:bodyPr>
           <a:lstStyle/>
           <a:p>
-            <a:endParaRPr/>
+            <a:endParaRPr dirty="0"/>
           </a:p>
         </p:txBody>
       </p:sp>
@@ -26769,7 +25719,7 @@
           </a:bodyPr>
           <a:lstStyle/>
           <a:p>
-            <a:endParaRPr/>
+            <a:endParaRPr dirty="0"/>
           </a:p>
         </p:txBody>
       </p:sp>
@@ -26822,7 +25772,7 @@
           </a:bodyPr>
           <a:lstStyle/>
           <a:p>
-            <a:endParaRPr/>
+            <a:endParaRPr dirty="0"/>
           </a:p>
         </p:txBody>
       </p:sp>
@@ -26866,7 +25816,7 @@
           </a:bodyPr>
           <a:lstStyle/>
           <a:p>
-            <a:endParaRPr/>
+            <a:endParaRPr dirty="0"/>
           </a:p>
         </p:txBody>
       </p:sp>
@@ -26924,7 +25874,7 @@
           </a:bodyPr>
           <a:lstStyle/>
           <a:p>
-            <a:endParaRPr/>
+            <a:endParaRPr dirty="0"/>
           </a:p>
         </p:txBody>
       </p:sp>
@@ -26971,7 +25921,7 @@
           </a:bodyPr>
           <a:lstStyle/>
           <a:p>
-            <a:endParaRPr/>
+            <a:endParaRPr dirty="0"/>
           </a:p>
         </p:txBody>
       </p:sp>
@@ -27018,7 +25968,7 @@
           </a:bodyPr>
           <a:lstStyle/>
           <a:p>
-            <a:endParaRPr/>
+            <a:endParaRPr dirty="0"/>
           </a:p>
         </p:txBody>
       </p:sp>
@@ -27076,7 +26026,7 @@
           </a:bodyPr>
           <a:lstStyle/>
           <a:p>
-            <a:endParaRPr/>
+            <a:endParaRPr dirty="0"/>
           </a:p>
         </p:txBody>
       </p:sp>
@@ -27134,7 +26084,7 @@
           </a:bodyPr>
           <a:lstStyle/>
           <a:p>
-            <a:endParaRPr/>
+            <a:endParaRPr dirty="0"/>
           </a:p>
         </p:txBody>
       </p:sp>
@@ -27194,7 +26144,7 @@
           </a:bodyPr>
           <a:lstStyle/>
           <a:p>
-            <a:endParaRPr/>
+            <a:endParaRPr dirty="0"/>
           </a:p>
         </p:txBody>
       </p:sp>
@@ -27225,7 +26175,7 @@
           </a:bodyPr>
           <a:lstStyle/>
           <a:p>
-            <a:endParaRPr/>
+            <a:endParaRPr dirty="0"/>
           </a:p>
         </p:txBody>
       </p:sp>
@@ -27762,7 +26712,7 @@
           </a:bodyPr>
           <a:lstStyle/>
           <a:p>
-            <a:endParaRPr/>
+            <a:endParaRPr dirty="0"/>
           </a:p>
         </p:txBody>
       </p:sp>
@@ -27815,20 +26765,6 @@
               <a:defRPr/>
             </a:pPr>
             <a:r>
-              <a:rPr lang="es-ES_tradnl" b="1" dirty="0" err="1">
-                <a:solidFill>
-                  <a:srgbClr val="002060"/>
-                </a:solidFill>
-                <a:effectLst>
-                  <a:outerShdw blurRad="38100" dist="38100" dir="2700000" algn="tl">
-                    <a:srgbClr val="C0C0C0"/>
-                  </a:outerShdw>
-                </a:effectLst>
-                <a:latin typeface="Dom Casual" charset="0"/>
-              </a:rPr>
-              <a:t>while</a:t>
-            </a:r>
-            <a:r>
               <a:rPr lang="es-ES_tradnl" b="1" dirty="0">
                 <a:solidFill>
                   <a:srgbClr val="002060"/>
@@ -27840,7 +26776,7 @@
                 </a:effectLst>
                 <a:latin typeface="Dom Casual" charset="0"/>
               </a:rPr>
-              <a:t> True:</a:t>
+              <a:t>while True:</a:t>
             </a:r>
             <a:endParaRPr lang="es-ES_tradnl" sz="4400" b="1" dirty="0">
               <a:solidFill>
@@ -28095,19 +27031,6 @@
               <a:tabLst/>
             </a:pPr>
             <a:r>
-              <a:rPr kumimoji="0" lang="es-MX" altLang="es-MX" sz="1000" b="0" i="0" u="none" strike="noStrike" cap="none" normalizeH="0" baseline="0" dirty="0" err="1">
-                <a:ln>
-                  <a:noFill/>
-                </a:ln>
-                <a:solidFill>
-                  <a:schemeClr val="tx1"/>
-                </a:solidFill>
-                <a:effectLst/>
-                <a:latin typeface="Arial Unicode MS"/>
-              </a:rPr>
-              <a:t>while</a:t>
-            </a:r>
-            <a:r>
               <a:rPr kumimoji="0" lang="es-MX" altLang="es-MX" sz="1000" b="0" i="0" u="none" strike="noStrike" cap="none" normalizeH="0" baseline="0" dirty="0">
                 <a:ln>
                   <a:noFill/>
@@ -28118,7 +27041,7 @@
                 <a:effectLst/>
                 <a:latin typeface="Arial Unicode MS"/>
               </a:rPr>
-              <a:t> true: </a:t>
+              <a:t>while true: </a:t>
             </a:r>
           </a:p>
           <a:p>
@@ -28170,33 +27093,7 @@
                 <a:effectLst/>
                 <a:latin typeface="Arial Unicode MS"/>
               </a:rPr>
-              <a:t>[</a:t>
-            </a:r>
-            <a:r>
-              <a:rPr kumimoji="0" lang="es-MX" altLang="es-MX" sz="1000" b="0" i="0" u="none" strike="noStrike" cap="none" normalizeH="0" baseline="0" dirty="0" err="1">
-                <a:ln>
-                  <a:noFill/>
-                </a:ln>
-                <a:solidFill>
-                  <a:schemeClr val="tx1"/>
-                </a:solidFill>
-                <a:effectLst/>
-                <a:latin typeface="Arial Unicode MS"/>
-              </a:rPr>
-              <a:t>Instucciones</a:t>
-            </a:r>
-            <a:r>
-              <a:rPr kumimoji="0" lang="es-MX" altLang="es-MX" sz="1000" b="0" i="0" u="none" strike="noStrike" cap="none" normalizeH="0" baseline="0" dirty="0">
-                <a:ln>
-                  <a:noFill/>
-                </a:ln>
-                <a:solidFill>
-                  <a:schemeClr val="tx1"/>
-                </a:solidFill>
-                <a:effectLst/>
-                <a:latin typeface="Arial Unicode MS"/>
-              </a:rPr>
-              <a:t>]</a:t>
+              <a:t>[Instucciones]</a:t>
             </a:r>
             <a:r>
               <a:rPr kumimoji="0" lang="es-MX" altLang="es-MX" sz="600" b="0" i="0" u="none" strike="noStrike" cap="none" normalizeH="0" baseline="0" dirty="0">
@@ -28262,22 +27159,13 @@
               </a:spcAft>
             </a:pPr>
             <a:r>
-              <a:rPr lang="es-MX" altLang="es-MX" sz="2400" b="1" dirty="0" err="1">
-                <a:solidFill>
-                  <a:srgbClr val="0070C0"/>
-                </a:solidFill>
-                <a:cs typeface="Arial" pitchFamily="34" charset="0"/>
-              </a:rPr>
-              <a:t>while</a:t>
-            </a:r>
-            <a:r>
               <a:rPr lang="es-MX" altLang="es-MX" sz="2400" b="1" dirty="0">
                 <a:solidFill>
                   <a:srgbClr val="0070C0"/>
                 </a:solidFill>
                 <a:cs typeface="Arial" pitchFamily="34" charset="0"/>
               </a:rPr>
-              <a:t> True: </a:t>
+              <a:t>while True: </a:t>
             </a:r>
           </a:p>
           <a:p>
@@ -28394,20 +27282,6 @@
               <a:defRPr/>
             </a:pPr>
             <a:r>
-              <a:rPr lang="es-ES_tradnl" b="1" dirty="0" err="1">
-                <a:solidFill>
-                  <a:srgbClr val="002060"/>
-                </a:solidFill>
-                <a:effectLst>
-                  <a:outerShdw blurRad="38100" dist="38100" dir="2700000" algn="tl">
-                    <a:srgbClr val="C0C0C0"/>
-                  </a:outerShdw>
-                </a:effectLst>
-                <a:latin typeface="Dom Casual" charset="0"/>
-              </a:rPr>
-              <a:t>while</a:t>
-            </a:r>
-            <a:r>
               <a:rPr lang="es-ES_tradnl" b="1" dirty="0">
                 <a:solidFill>
                   <a:srgbClr val="002060"/>
@@ -28419,7 +27293,7 @@
                 </a:effectLst>
                 <a:latin typeface="Dom Casual" charset="0"/>
               </a:rPr>
-              <a:t> true</a:t>
+              <a:t>while true</a:t>
             </a:r>
             <a:endParaRPr lang="es-ES_tradnl" sz="4400" b="1" dirty="0">
               <a:solidFill>
@@ -28494,29 +27368,7 @@
                 </a:solidFill>
                 <a:cs typeface="Arial" pitchFamily="34" charset="0"/>
               </a:rPr>
-              <a:t>para terminar la ejecución del </a:t>
-            </a:r>
-            <a:r>
-              <a:rPr lang="es-ES" sz="2800" dirty="0" err="1">
-                <a:solidFill>
-                  <a:schemeClr val="bg2">
-                    <a:lumMod val="25000"/>
-                  </a:schemeClr>
-                </a:solidFill>
-                <a:cs typeface="Arial" pitchFamily="34" charset="0"/>
-              </a:rPr>
-              <a:t>while</a:t>
-            </a:r>
-            <a:r>
-              <a:rPr lang="es-ES" sz="2800" dirty="0">
-                <a:solidFill>
-                  <a:schemeClr val="bg2">
-                    <a:lumMod val="25000"/>
-                  </a:schemeClr>
-                </a:solidFill>
-                <a:cs typeface="Arial" pitchFamily="34" charset="0"/>
-              </a:rPr>
-              <a:t>.</a:t>
+              <a:t>para terminar la ejecución del while.</a:t>
             </a:r>
             <a:endParaRPr lang="es-ES_tradnl" sz="2800" dirty="0">
               <a:solidFill>
@@ -28611,19 +27463,6 @@
               <a:tabLst/>
             </a:pPr>
             <a:r>
-              <a:rPr kumimoji="0" lang="es-MX" altLang="es-MX" sz="1000" b="0" i="0" u="none" strike="noStrike" cap="none" normalizeH="0" baseline="0" dirty="0" err="1">
-                <a:ln>
-                  <a:noFill/>
-                </a:ln>
-                <a:solidFill>
-                  <a:schemeClr val="tx1"/>
-                </a:solidFill>
-                <a:effectLst/>
-                <a:latin typeface="Arial Unicode MS"/>
-              </a:rPr>
-              <a:t>while</a:t>
-            </a:r>
-            <a:r>
               <a:rPr kumimoji="0" lang="es-MX" altLang="es-MX" sz="1000" b="0" i="0" u="none" strike="noStrike" cap="none" normalizeH="0" baseline="0" dirty="0">
                 <a:ln>
                   <a:noFill/>
@@ -28634,7 +27473,7 @@
                 <a:effectLst/>
                 <a:latin typeface="Arial Unicode MS"/>
               </a:rPr>
-              <a:t> true: </a:t>
+              <a:t>while true: </a:t>
             </a:r>
           </a:p>
           <a:p>
@@ -28686,33 +27525,7 @@
                 <a:effectLst/>
                 <a:latin typeface="Arial Unicode MS"/>
               </a:rPr>
-              <a:t>[</a:t>
-            </a:r>
-            <a:r>
-              <a:rPr kumimoji="0" lang="es-MX" altLang="es-MX" sz="1000" b="0" i="0" u="none" strike="noStrike" cap="none" normalizeH="0" baseline="0" dirty="0" err="1">
-                <a:ln>
-                  <a:noFill/>
-                </a:ln>
-                <a:solidFill>
-                  <a:schemeClr val="tx1"/>
-                </a:solidFill>
-                <a:effectLst/>
-                <a:latin typeface="Arial Unicode MS"/>
-              </a:rPr>
-              <a:t>Instucciones</a:t>
-            </a:r>
-            <a:r>
-              <a:rPr kumimoji="0" lang="es-MX" altLang="es-MX" sz="1000" b="0" i="0" u="none" strike="noStrike" cap="none" normalizeH="0" baseline="0" dirty="0">
-                <a:ln>
-                  <a:noFill/>
-                </a:ln>
-                <a:solidFill>
-                  <a:schemeClr val="tx1"/>
-                </a:solidFill>
-                <a:effectLst/>
-                <a:latin typeface="Arial Unicode MS"/>
-              </a:rPr>
-              <a:t>]</a:t>
+              <a:t>[Instucciones]</a:t>
             </a:r>
             <a:r>
               <a:rPr kumimoji="0" lang="es-MX" altLang="es-MX" sz="600" b="0" i="0" u="none" strike="noStrike" cap="none" normalizeH="0" baseline="0" dirty="0">
@@ -28811,22 +27624,13 @@
               </a:spcAft>
             </a:pPr>
             <a:r>
-              <a:rPr lang="es-MX" altLang="es-MX" sz="2400" b="1" dirty="0" err="1">
-                <a:solidFill>
-                  <a:srgbClr val="0070C0"/>
-                </a:solidFill>
-                <a:cs typeface="Arial" pitchFamily="34" charset="0"/>
-              </a:rPr>
-              <a:t>while</a:t>
-            </a:r>
-            <a:r>
               <a:rPr lang="es-MX" altLang="es-MX" sz="2400" b="1" dirty="0">
                 <a:solidFill>
                   <a:srgbClr val="0070C0"/>
                 </a:solidFill>
                 <a:cs typeface="Arial" pitchFamily="34" charset="0"/>
               </a:rPr>
-              <a:t> continua ==  </a:t>
+              <a:t>while continua ==  </a:t>
             </a:r>
             <a:r>
               <a:rPr lang="es-MX" altLang="es-MX" sz="2400" b="1" dirty="0">
@@ -29985,7 +28789,7 @@
               <a:t>, la construcción adecuada es mediante el ciclo </a:t>
             </a:r>
             <a:r>
-              <a:rPr lang="es-ES_tradnl" sz="2800" b="1" dirty="0" err="1">
+              <a:rPr lang="es-ES_tradnl" sz="2800" b="1" dirty="0">
                 <a:solidFill>
                   <a:srgbClr val="00CC00"/>
                 </a:solidFill>
@@ -30084,7 +28888,7 @@
               <a:t>La estructura </a:t>
             </a:r>
             <a:r>
-              <a:rPr lang="es-ES_tradnl" sz="2800" b="1" dirty="0" err="1">
+              <a:rPr lang="es-ES_tradnl" sz="2800" b="1" dirty="0">
                 <a:solidFill>
                   <a:srgbClr val="0070C0"/>
                 </a:solidFill>
@@ -30145,7 +28949,7 @@
               <a:t>El ciclo </a:t>
             </a:r>
             <a:r>
-              <a:rPr lang="es-ES_tradnl" sz="2800" b="1" dirty="0" err="1">
+              <a:rPr lang="es-ES_tradnl" sz="2800" b="1" dirty="0">
                 <a:solidFill>
                   <a:srgbClr val="0070C0"/>
                 </a:solidFill>
